--- a/pics/eigen_vector_values/pics.pptx
+++ b/pics/eigen_vector_values/pics.pptx
@@ -4058,11 +4058,11 @@
           <a:p>
             <a:pPr algn="ctr"/>
             <a:r>
-              <a:rPr lang="en-US" altLang="ko-KR" dirty="0">
+              <a:rPr lang="en-US" altLang="ko-KR">
                 <a:latin typeface="Calibri" panose="020F0502020204030204" pitchFamily="34" charset="0"/>
                 <a:cs typeface="Calibri" panose="020F0502020204030204" pitchFamily="34" charset="0"/>
               </a:rPr>
-              <a:t>matrix</a:t>
+              <a:t>vector</a:t>
             </a:r>
             <a:endParaRPr lang="ko-KR" altLang="en-US" dirty="0">
               <a:latin typeface="Calibri" panose="020F0502020204030204" pitchFamily="34" charset="0"/>

--- a/pics/eigen_vector_values/pics.pptx
+++ b/pics/eigen_vector_values/pics.pptx
@@ -3534,192 +3534,171 @@
           </mc:Fallback>
         </mc:AlternateContent>
       </p:grpSp>
-      <p:grpSp>
-        <p:nvGrpSpPr>
-          <p:cNvPr id="15" name="그룹 14">
-            <a:extLst>
-              <a:ext uri="{FF2B5EF4-FFF2-40B4-BE49-F238E27FC236}">
-                <a16:creationId xmlns:a16="http://schemas.microsoft.com/office/drawing/2014/main" id="{BA02CB52-172C-466B-B0EF-DE50AA33BC3A}"/>
-              </a:ext>
-            </a:extLst>
-          </p:cNvPr>
-          <p:cNvGrpSpPr/>
+      <p:sp>
+        <p:nvSpPr>
+          <p:cNvPr id="4" name="화살표: 오른쪽 3">
+            <a:extLst>
+              <a:ext uri="{FF2B5EF4-FFF2-40B4-BE49-F238E27FC236}">
+                <a16:creationId xmlns:a16="http://schemas.microsoft.com/office/drawing/2014/main" id="{AAB15ED2-4E8D-40DD-92EC-F920DB7ABD15}"/>
+              </a:ext>
+            </a:extLst>
+          </p:cNvPr>
+          <p:cNvSpPr/>
           <p:nvPr/>
-        </p:nvGrpSpPr>
-        <p:grpSpPr>
-          <a:xfrm>
+        </p:nvSpPr>
+        <p:spPr>
+          <a:xfrm rot="19771702">
             <a:off x="1104263" y="2589492"/>
-            <a:ext cx="1365692" cy="1035256"/>
-            <a:chOff x="1744297" y="2128949"/>
-            <a:chExt cx="978408" cy="741677"/>
+            <a:ext cx="1365692" cy="348850"/>
           </a:xfrm>
-        </p:grpSpPr>
-        <p:sp>
-          <p:nvSpPr>
-            <p:cNvPr id="4" name="화살표: 오른쪽 3">
-              <a:extLst>
-                <a:ext uri="{FF2B5EF4-FFF2-40B4-BE49-F238E27FC236}">
-                  <a16:creationId xmlns:a16="http://schemas.microsoft.com/office/drawing/2014/main" id="{AAB15ED2-4E8D-40DD-92EC-F920DB7ABD15}"/>
-                </a:ext>
-              </a:extLst>
-            </p:cNvPr>
-            <p:cNvSpPr/>
-            <p:nvPr/>
-          </p:nvSpPr>
-          <p:spPr>
-            <a:xfrm rot="19771702">
-              <a:off x="1744297" y="2128949"/>
-              <a:ext cx="978408" cy="249923"/>
-            </a:xfrm>
-            <a:prstGeom prst="rightArrow">
-              <a:avLst>
-                <a:gd name="adj1" fmla="val 24065"/>
-                <a:gd name="adj2" fmla="val 68519"/>
-              </a:avLst>
-            </a:prstGeom>
-            <a:solidFill>
-              <a:schemeClr val="accent1">
-                <a:lumMod val="60000"/>
-                <a:lumOff val="40000"/>
-              </a:schemeClr>
-            </a:solidFill>
-            <a:ln>
+          <a:prstGeom prst="rightArrow">
+            <a:avLst>
+              <a:gd name="adj1" fmla="val 24065"/>
+              <a:gd name="adj2" fmla="val 68519"/>
+            </a:avLst>
+          </a:prstGeom>
+          <a:solidFill>
+            <a:schemeClr val="accent1">
+              <a:lumMod val="60000"/>
+              <a:lumOff val="40000"/>
+            </a:schemeClr>
+          </a:solidFill>
+          <a:ln>
+            <a:noFill/>
+          </a:ln>
+        </p:spPr>
+        <p:style>
+          <a:lnRef idx="2">
+            <a:schemeClr val="accent1">
+              <a:shade val="50000"/>
+            </a:schemeClr>
+          </a:lnRef>
+          <a:fillRef idx="1">
+            <a:schemeClr val="accent1"/>
+          </a:fillRef>
+          <a:effectRef idx="0">
+            <a:schemeClr val="accent1"/>
+          </a:effectRef>
+          <a:fontRef idx="minor">
+            <a:schemeClr val="lt1"/>
+          </a:fontRef>
+        </p:style>
+        <p:txBody>
+          <a:bodyPr rtlCol="0" anchor="ctr"/>
+          <a:lstStyle/>
+          <a:p>
+            <a:pPr algn="ctr"/>
+            <a:endParaRPr lang="ko-KR" altLang="en-US"/>
+          </a:p>
+        </p:txBody>
+      </p:sp>
+      <mc:AlternateContent xmlns:mc="http://schemas.openxmlformats.org/markup-compatibility/2006">
+        <mc:Choice xmlns:a14="http://schemas.microsoft.com/office/drawing/2010/main" Requires="a14">
+          <p:sp>
+            <p:nvSpPr>
+              <p:cNvPr id="9" name="TextBox 8">
+                <a:extLst>
+                  <a:ext uri="{FF2B5EF4-FFF2-40B4-BE49-F238E27FC236}">
+                    <a16:creationId xmlns:a16="http://schemas.microsoft.com/office/drawing/2014/main" id="{0CA8584E-B1CA-4C1B-9827-5D39930B3E6F}"/>
+                  </a:ext>
+                </a:extLst>
+              </p:cNvPr>
+              <p:cNvSpPr txBox="1"/>
+              <p:nvPr/>
+            </p:nvSpPr>
+            <p:spPr>
+              <a:xfrm>
+                <a:off x="1619535" y="2894421"/>
+                <a:ext cx="716007" cy="730327"/>
+              </a:xfrm>
+              <a:prstGeom prst="rect">
+                <a:avLst/>
+              </a:prstGeom>
               <a:noFill/>
-            </a:ln>
-          </p:spPr>
-          <p:style>
-            <a:lnRef idx="2">
-              <a:schemeClr val="accent1">
-                <a:shade val="50000"/>
-              </a:schemeClr>
-            </a:lnRef>
-            <a:fillRef idx="1">
-              <a:schemeClr val="accent1"/>
-            </a:fillRef>
-            <a:effectRef idx="0">
-              <a:schemeClr val="accent1"/>
-            </a:effectRef>
-            <a:fontRef idx="minor">
-              <a:schemeClr val="lt1"/>
-            </a:fontRef>
-          </p:style>
-          <p:txBody>
-            <a:bodyPr rtlCol="0" anchor="ctr"/>
-            <a:lstStyle/>
-            <a:p>
-              <a:pPr algn="ctr"/>
-              <a:endParaRPr lang="ko-KR" altLang="en-US"/>
-            </a:p>
-          </p:txBody>
-        </p:sp>
-        <mc:AlternateContent xmlns:mc="http://schemas.openxmlformats.org/markup-compatibility/2006">
-          <mc:Choice xmlns:a14="http://schemas.microsoft.com/office/drawing/2010/main" Requires="a14">
-            <p:sp>
-              <p:nvSpPr>
-                <p:cNvPr id="9" name="TextBox 8">
-                  <a:extLst>
-                    <a:ext uri="{FF2B5EF4-FFF2-40B4-BE49-F238E27FC236}">
-                      <a16:creationId xmlns:a16="http://schemas.microsoft.com/office/drawing/2014/main" id="{0CA8584E-B1CA-4C1B-9827-5D39930B3E6F}"/>
-                    </a:ext>
-                  </a:extLst>
-                </p:cNvPr>
-                <p:cNvSpPr txBox="1"/>
-                <p:nvPr/>
-              </p:nvSpPr>
-              <p:spPr>
-                <a:xfrm>
-                  <a:off x="2113448" y="2347406"/>
-                  <a:ext cx="512961" cy="523220"/>
-                </a:xfrm>
-                <a:prstGeom prst="rect">
-                  <a:avLst/>
-                </a:prstGeom>
-                <a:noFill/>
-              </p:spPr>
-              <p:txBody>
-                <a:bodyPr wrap="none" rtlCol="0">
-                  <a:spAutoFit/>
-                </a:bodyPr>
-                <a:lstStyle/>
-                <a:p>
-                  <a14:m>
-                    <m:oMathPara xmlns:m="http://schemas.openxmlformats.org/officeDocument/2006/math">
-                      <m:oMathParaPr>
-                        <m:jc m:val="centerGroup"/>
-                      </m:oMathParaPr>
-                      <m:oMath xmlns:m="http://schemas.openxmlformats.org/officeDocument/2006/math">
-                        <m:acc>
-                          <m:accPr>
-                            <m:chr m:val="⃗"/>
-                            <m:ctrlPr>
-                              <a:rPr lang="en-US" altLang="ko-KR" sz="2800" b="0" i="1" dirty="0" smtClean="0">
-                                <a:latin typeface="Cambria Math" panose="02040503050406030204" pitchFamily="18" charset="0"/>
-                              </a:rPr>
-                            </m:ctrlPr>
-                          </m:accPr>
-                          <m:e>
-                            <m:r>
-                              <a:rPr lang="en-US" altLang="ko-KR" sz="2800" b="0" i="1" dirty="0" smtClean="0">
-                                <a:latin typeface="Cambria Math" panose="02040503050406030204" pitchFamily="18" charset="0"/>
-                              </a:rPr>
-                              <m:t>𝑥</m:t>
-                            </m:r>
-                          </m:e>
-                        </m:acc>
-                      </m:oMath>
-                    </m:oMathPara>
-                  </a14:m>
-                  <a:endParaRPr lang="ko-KR" altLang="en-US" dirty="0"/>
-                </a:p>
-              </p:txBody>
-            </p:sp>
-          </mc:Choice>
-          <mc:Fallback>
-            <p:sp>
-              <p:nvSpPr>
-                <p:cNvPr id="9" name="TextBox 8">
-                  <a:extLst>
-                    <a:ext uri="{FF2B5EF4-FFF2-40B4-BE49-F238E27FC236}">
-                      <a16:creationId xmlns:a16="http://schemas.microsoft.com/office/drawing/2014/main" id="{0CA8584E-B1CA-4C1B-9827-5D39930B3E6F}"/>
-                    </a:ext>
-                  </a:extLst>
-                </p:cNvPr>
-                <p:cNvSpPr txBox="1">
-                  <a:spLocks noRot="1" noChangeAspect="1" noMove="1" noResize="1" noEditPoints="1" noAdjustHandles="1" noChangeArrowheads="1" noChangeShapeType="1" noTextEdit="1"/>
-                </p:cNvSpPr>
-                <p:nvPr/>
-              </p:nvSpPr>
-              <p:spPr>
-                <a:xfrm>
-                  <a:off x="2113448" y="2347406"/>
-                  <a:ext cx="512961" cy="523220"/>
-                </a:xfrm>
-                <a:prstGeom prst="rect">
-                  <a:avLst/>
-                </a:prstGeom>
-                <a:blipFill>
-                  <a:blip r:embed="rId3"/>
-                  <a:stretch>
-                    <a:fillRect/>
-                  </a:stretch>
-                </a:blipFill>
-              </p:spPr>
-              <p:txBody>
-                <a:bodyPr/>
-                <a:lstStyle/>
-                <a:p>
-                  <a:r>
-                    <a:rPr lang="ko-KR" altLang="en-US">
-                      <a:noFill/>
-                    </a:rPr>
-                    <a:t> </a:t>
-                  </a:r>
-                </a:p>
-              </p:txBody>
-            </p:sp>
-          </mc:Fallback>
-        </mc:AlternateContent>
-      </p:grpSp>
+            </p:spPr>
+            <p:txBody>
+              <a:bodyPr wrap="none" rtlCol="0">
+                <a:spAutoFit/>
+              </a:bodyPr>
+              <a:lstStyle/>
+              <a:p>
+                <a14:m>
+                  <m:oMathPara xmlns:m="http://schemas.openxmlformats.org/officeDocument/2006/math">
+                    <m:oMathParaPr>
+                      <m:jc m:val="centerGroup"/>
+                    </m:oMathParaPr>
+                    <m:oMath xmlns:m="http://schemas.openxmlformats.org/officeDocument/2006/math">
+                      <m:acc>
+                        <m:accPr>
+                          <m:chr m:val="⃗"/>
+                          <m:ctrlPr>
+                            <a:rPr lang="en-US" altLang="ko-KR" sz="2800" b="0" i="1" dirty="0" smtClean="0">
+                              <a:latin typeface="Cambria Math" panose="02040503050406030204" pitchFamily="18" charset="0"/>
+                            </a:rPr>
+                          </m:ctrlPr>
+                        </m:accPr>
+                        <m:e>
+                          <m:r>
+                            <a:rPr lang="en-US" altLang="ko-KR" sz="2800" b="0" i="1" dirty="0" smtClean="0">
+                              <a:latin typeface="Cambria Math" panose="02040503050406030204" pitchFamily="18" charset="0"/>
+                            </a:rPr>
+                            <m:t>𝑥</m:t>
+                          </m:r>
+                        </m:e>
+                      </m:acc>
+                    </m:oMath>
+                  </m:oMathPara>
+                </a14:m>
+                <a:endParaRPr lang="ko-KR" altLang="en-US" dirty="0"/>
+              </a:p>
+            </p:txBody>
+          </p:sp>
+        </mc:Choice>
+        <mc:Fallback>
+          <p:sp>
+            <p:nvSpPr>
+              <p:cNvPr id="9" name="TextBox 8">
+                <a:extLst>
+                  <a:ext uri="{FF2B5EF4-FFF2-40B4-BE49-F238E27FC236}">
+                    <a16:creationId xmlns:a16="http://schemas.microsoft.com/office/drawing/2014/main" id="{0CA8584E-B1CA-4C1B-9827-5D39930B3E6F}"/>
+                  </a:ext>
+                </a:extLst>
+              </p:cNvPr>
+              <p:cNvSpPr txBox="1">
+                <a:spLocks noRot="1" noChangeAspect="1" noMove="1" noResize="1" noEditPoints="1" noAdjustHandles="1" noChangeArrowheads="1" noChangeShapeType="1" noTextEdit="1"/>
+              </p:cNvSpPr>
+              <p:nvPr/>
+            </p:nvSpPr>
+            <p:spPr>
+              <a:xfrm>
+                <a:off x="1619535" y="2894421"/>
+                <a:ext cx="716007" cy="730327"/>
+              </a:xfrm>
+              <a:prstGeom prst="rect">
+                <a:avLst/>
+              </a:prstGeom>
+              <a:blipFill>
+                <a:blip r:embed="rId3"/>
+                <a:stretch>
+                  <a:fillRect/>
+                </a:stretch>
+              </a:blipFill>
+            </p:spPr>
+            <p:txBody>
+              <a:bodyPr/>
+              <a:lstStyle/>
+              <a:p>
+                <a:r>
+                  <a:rPr lang="ko-KR" altLang="en-US">
+                    <a:noFill/>
+                  </a:rPr>
+                  <a:t> </a:t>
+                </a:r>
+              </a:p>
+            </p:txBody>
+          </p:sp>
+        </mc:Fallback>
+      </mc:AlternateContent>
       <p:sp>
         <p:nvSpPr>
           <p:cNvPr id="10" name="화살표: 오른쪽 9">
@@ -4058,7 +4037,7 @@
           <a:p>
             <a:pPr algn="ctr"/>
             <a:r>
-              <a:rPr lang="en-US" altLang="ko-KR">
+              <a:rPr lang="en-US" altLang="ko-KR" dirty="0">
                 <a:latin typeface="Calibri" panose="020F0502020204030204" pitchFamily="34" charset="0"/>
                 <a:cs typeface="Calibri" panose="020F0502020204030204" pitchFamily="34" charset="0"/>
               </a:rPr>

--- a/pics/eigen_vector_values/pics.pptx
+++ b/pics/eigen_vector_values/pics.pptx
@@ -6,6 +6,7 @@
   </p:sldMasterIdLst>
   <p:sldIdLst>
     <p:sldId id="256" r:id="rId2"/>
+    <p:sldId id="257" r:id="rId3"/>
   </p:sldIdLst>
   <p:sldSz cx="12192000" cy="6858000"/>
   <p:notesSz cx="6858000" cy="9144000"/>
@@ -104,6 +105,11 @@
       </a:defRPr>
     </a:lvl9pPr>
   </p:defaultTextStyle>
+  <p:extLst>
+    <p:ext uri="{EFAFB233-063F-42B5-8137-9DF3F51BA10A}">
+      <p15:sldGuideLst xmlns:p15="http://schemas.microsoft.com/office/powerpoint/2012/main"/>
+    </p:ext>
+  </p:extLst>
 </p:presentation>
 </file>
 
@@ -254,7 +260,7 @@
           <a:p>
             <a:fld id="{F3160BF3-68E2-41DA-A01E-40DFD371A85A}" type="datetimeFigureOut">
               <a:rPr lang="ko-KR" altLang="en-US" smtClean="0"/>
-              <a:t>2019-07-21</a:t>
+              <a:t>2019-07-22</a:t>
             </a:fld>
             <a:endParaRPr lang="ko-KR" altLang="en-US"/>
           </a:p>
@@ -452,7 +458,7 @@
           <a:p>
             <a:fld id="{F3160BF3-68E2-41DA-A01E-40DFD371A85A}" type="datetimeFigureOut">
               <a:rPr lang="ko-KR" altLang="en-US" smtClean="0"/>
-              <a:t>2019-07-21</a:t>
+              <a:t>2019-07-22</a:t>
             </a:fld>
             <a:endParaRPr lang="ko-KR" altLang="en-US"/>
           </a:p>
@@ -660,7 +666,7 @@
           <a:p>
             <a:fld id="{F3160BF3-68E2-41DA-A01E-40DFD371A85A}" type="datetimeFigureOut">
               <a:rPr lang="ko-KR" altLang="en-US" smtClean="0"/>
-              <a:t>2019-07-21</a:t>
+              <a:t>2019-07-22</a:t>
             </a:fld>
             <a:endParaRPr lang="ko-KR" altLang="en-US"/>
           </a:p>
@@ -858,7 +864,7 @@
           <a:p>
             <a:fld id="{F3160BF3-68E2-41DA-A01E-40DFD371A85A}" type="datetimeFigureOut">
               <a:rPr lang="ko-KR" altLang="en-US" smtClean="0"/>
-              <a:t>2019-07-21</a:t>
+              <a:t>2019-07-22</a:t>
             </a:fld>
             <a:endParaRPr lang="ko-KR" altLang="en-US"/>
           </a:p>
@@ -1133,7 +1139,7 @@
           <a:p>
             <a:fld id="{F3160BF3-68E2-41DA-A01E-40DFD371A85A}" type="datetimeFigureOut">
               <a:rPr lang="ko-KR" altLang="en-US" smtClean="0"/>
-              <a:t>2019-07-21</a:t>
+              <a:t>2019-07-22</a:t>
             </a:fld>
             <a:endParaRPr lang="ko-KR" altLang="en-US"/>
           </a:p>
@@ -1398,7 +1404,7 @@
           <a:p>
             <a:fld id="{F3160BF3-68E2-41DA-A01E-40DFD371A85A}" type="datetimeFigureOut">
               <a:rPr lang="ko-KR" altLang="en-US" smtClean="0"/>
-              <a:t>2019-07-21</a:t>
+              <a:t>2019-07-22</a:t>
             </a:fld>
             <a:endParaRPr lang="ko-KR" altLang="en-US"/>
           </a:p>
@@ -1810,7 +1816,7 @@
           <a:p>
             <a:fld id="{F3160BF3-68E2-41DA-A01E-40DFD371A85A}" type="datetimeFigureOut">
               <a:rPr lang="ko-KR" altLang="en-US" smtClean="0"/>
-              <a:t>2019-07-21</a:t>
+              <a:t>2019-07-22</a:t>
             </a:fld>
             <a:endParaRPr lang="ko-KR" altLang="en-US"/>
           </a:p>
@@ -1951,7 +1957,7 @@
           <a:p>
             <a:fld id="{F3160BF3-68E2-41DA-A01E-40DFD371A85A}" type="datetimeFigureOut">
               <a:rPr lang="ko-KR" altLang="en-US" smtClean="0"/>
-              <a:t>2019-07-21</a:t>
+              <a:t>2019-07-22</a:t>
             </a:fld>
             <a:endParaRPr lang="ko-KR" altLang="en-US"/>
           </a:p>
@@ -2064,7 +2070,7 @@
           <a:p>
             <a:fld id="{F3160BF3-68E2-41DA-A01E-40DFD371A85A}" type="datetimeFigureOut">
               <a:rPr lang="ko-KR" altLang="en-US" smtClean="0"/>
-              <a:t>2019-07-21</a:t>
+              <a:t>2019-07-22</a:t>
             </a:fld>
             <a:endParaRPr lang="ko-KR" altLang="en-US"/>
           </a:p>
@@ -2375,7 +2381,7 @@
           <a:p>
             <a:fld id="{F3160BF3-68E2-41DA-A01E-40DFD371A85A}" type="datetimeFigureOut">
               <a:rPr lang="ko-KR" altLang="en-US" smtClean="0"/>
-              <a:t>2019-07-21</a:t>
+              <a:t>2019-07-22</a:t>
             </a:fld>
             <a:endParaRPr lang="ko-KR" altLang="en-US"/>
           </a:p>
@@ -2663,7 +2669,7 @@
           <a:p>
             <a:fld id="{F3160BF3-68E2-41DA-A01E-40DFD371A85A}" type="datetimeFigureOut">
               <a:rPr lang="ko-KR" altLang="en-US" smtClean="0"/>
-              <a:t>2019-07-21</a:t>
+              <a:t>2019-07-22</a:t>
             </a:fld>
             <a:endParaRPr lang="ko-KR" altLang="en-US"/>
           </a:p>
@@ -2904,7 +2910,7 @@
           <a:p>
             <a:fld id="{F3160BF3-68E2-41DA-A01E-40DFD371A85A}" type="datetimeFigureOut">
               <a:rPr lang="ko-KR" altLang="en-US" smtClean="0"/>
-              <a:t>2019-07-21</a:t>
+              <a:t>2019-07-22</a:t>
             </a:fld>
             <a:endParaRPr lang="ko-KR" altLang="en-US"/>
           </a:p>
@@ -3437,8 +3443,8 @@
             </a:p>
           </p:txBody>
         </p:sp>
-        <mc:AlternateContent xmlns:mc="http://schemas.openxmlformats.org/markup-compatibility/2006">
-          <mc:Choice xmlns:a14="http://schemas.microsoft.com/office/drawing/2010/main" Requires="a14">
+        <mc:AlternateContent xmlns:mc="http://schemas.openxmlformats.org/markup-compatibility/2006" xmlns:a14="http://schemas.microsoft.com/office/drawing/2010/main">
+          <mc:Choice Requires="a14">
             <p:sp>
               <p:nvSpPr>
                 <p:cNvPr id="8" name="TextBox 7">
@@ -3488,7 +3494,7 @@
               </p:txBody>
             </p:sp>
           </mc:Choice>
-          <mc:Fallback>
+          <mc:Fallback xmlns="">
             <p:sp>
               <p:nvSpPr>
                 <p:cNvPr id="8" name="TextBox 7">
@@ -3592,8 +3598,8 @@
           </a:p>
         </p:txBody>
       </p:sp>
-      <mc:AlternateContent xmlns:mc="http://schemas.openxmlformats.org/markup-compatibility/2006">
-        <mc:Choice xmlns:a14="http://schemas.microsoft.com/office/drawing/2010/main" Requires="a14">
+      <mc:AlternateContent xmlns:mc="http://schemas.openxmlformats.org/markup-compatibility/2006" xmlns:a14="http://schemas.microsoft.com/office/drawing/2010/main">
+        <mc:Choice Requires="a14">
           <p:sp>
             <p:nvSpPr>
               <p:cNvPr id="9" name="TextBox 8">
@@ -3622,6 +3628,7 @@
               </a:bodyPr>
               <a:lstStyle/>
               <a:p>
+                <a:pPr/>
                 <a14:m>
                   <m:oMathPara xmlns:m="http://schemas.openxmlformats.org/officeDocument/2006/math">
                     <m:oMathParaPr>
@@ -3654,7 +3661,7 @@
             </p:txBody>
           </p:sp>
         </mc:Choice>
-        <mc:Fallback>
+        <mc:Fallback xmlns="">
           <p:sp>
             <p:nvSpPr>
               <p:cNvPr id="9" name="TextBox 8">
@@ -3757,8 +3764,8 @@
           </a:p>
         </p:txBody>
       </p:sp>
-      <mc:AlternateContent xmlns:mc="http://schemas.openxmlformats.org/markup-compatibility/2006">
-        <mc:Choice xmlns:a14="http://schemas.microsoft.com/office/drawing/2010/main" Requires="a14">
+      <mc:AlternateContent xmlns:mc="http://schemas.openxmlformats.org/markup-compatibility/2006" xmlns:a14="http://schemas.microsoft.com/office/drawing/2010/main">
+        <mc:Choice Requires="a14">
           <p:sp>
             <p:nvSpPr>
               <p:cNvPr id="11" name="TextBox 10">
@@ -3787,6 +3794,7 @@
               </a:bodyPr>
               <a:lstStyle/>
               <a:p>
+                <a:pPr/>
                 <a14:m>
                   <m:oMathPara xmlns:m="http://schemas.openxmlformats.org/officeDocument/2006/math">
                     <m:oMathParaPr>
@@ -3825,7 +3833,7 @@
             </p:txBody>
           </p:sp>
         </mc:Choice>
-        <mc:Fallback>
+        <mc:Fallback xmlns="">
           <p:sp>
             <p:nvSpPr>
               <p:cNvPr id="11" name="TextBox 10">
@@ -4054,6 +4062,81 @@
     <p:extLst>
       <p:ext uri="{BB962C8B-B14F-4D97-AF65-F5344CB8AC3E}">
         <p14:creationId xmlns:p14="http://schemas.microsoft.com/office/powerpoint/2010/main" val="3128094639"/>
+      </p:ext>
+    </p:extLst>
+  </p:cSld>
+  <p:clrMapOvr>
+    <a:masterClrMapping/>
+  </p:clrMapOvr>
+</p:sld>
+</file>
+
+<file path=ppt/slides/slide2.xml><?xml version="1.0" encoding="utf-8"?>
+<p:sld xmlns:a="http://schemas.openxmlformats.org/drawingml/2006/main" xmlns:r="http://schemas.openxmlformats.org/officeDocument/2006/relationships" xmlns:p="http://schemas.openxmlformats.org/presentationml/2006/main">
+  <p:cSld>
+    <p:spTree>
+      <p:nvGrpSpPr>
+        <p:cNvPr id="1" name=""/>
+        <p:cNvGrpSpPr/>
+        <p:nvPr/>
+      </p:nvGrpSpPr>
+      <p:grpSpPr>
+        <a:xfrm>
+          <a:off x="0" y="0"/>
+          <a:ext cx="0" cy="0"/>
+          <a:chOff x="0" y="0"/>
+          <a:chExt cx="0" cy="0"/>
+        </a:xfrm>
+      </p:grpSpPr>
+      <p:pic>
+        <p:nvPicPr>
+          <p:cNvPr id="1026" name="Picture 2" descr="https://wikidocs.net/images/page/4050/20160201_104311.png">
+            <a:extLst>
+              <a:ext uri="{FF2B5EF4-FFF2-40B4-BE49-F238E27FC236}">
+                <a16:creationId xmlns:a16="http://schemas.microsoft.com/office/drawing/2014/main" id="{41852B5A-A73C-47F4-A61C-33B8E61FF7AE}"/>
+              </a:ext>
+            </a:extLst>
+          </p:cNvPr>
+          <p:cNvPicPr>
+            <a:picLocks noChangeAspect="1" noChangeArrowheads="1"/>
+          </p:cNvPicPr>
+          <p:nvPr/>
+        </p:nvPicPr>
+        <p:blipFill rotWithShape="1">
+          <a:blip r:embed="rId2">
+            <a:extLst>
+              <a:ext uri="{28A0092B-C50C-407E-A947-70E740481C1C}">
+                <a14:useLocalDpi xmlns:a14="http://schemas.microsoft.com/office/drawing/2010/main" val="0"/>
+              </a:ext>
+            </a:extLst>
+          </a:blip>
+          <a:srcRect b="5973"/>
+          <a:stretch/>
+        </p:blipFill>
+        <p:spPr bwMode="auto">
+          <a:xfrm>
+            <a:off x="3219450" y="957124"/>
+            <a:ext cx="5753100" cy="4943752"/>
+          </a:xfrm>
+          <a:prstGeom prst="rect">
+            <a:avLst/>
+          </a:prstGeom>
+          <a:noFill/>
+          <a:extLst>
+            <a:ext uri="{909E8E84-426E-40DD-AFC4-6F175D3DCCD1}">
+              <a14:hiddenFill xmlns:a14="http://schemas.microsoft.com/office/drawing/2010/main">
+                <a:solidFill>
+                  <a:srgbClr val="FFFFFF"/>
+                </a:solidFill>
+              </a14:hiddenFill>
+            </a:ext>
+          </a:extLst>
+        </p:spPr>
+      </p:pic>
+    </p:spTree>
+    <p:extLst>
+      <p:ext uri="{BB962C8B-B14F-4D97-AF65-F5344CB8AC3E}">
+        <p14:creationId xmlns:p14="http://schemas.microsoft.com/office/powerpoint/2010/main" val="3813223413"/>
       </p:ext>
     </p:extLst>
   </p:cSld>
